--- a/wk6UIUX/NEW/110419008王柏尊Tinder.pptx
+++ b/wk6UIUX/NEW/110419008王柏尊Tinder.pptx
@@ -3404,9 +3404,47 @@
           </a:p>
         </p:txBody>
       </p:sp>
+      <p:sp>
+        <p:nvSpPr>
+          <p:cNvPr id="6" name="文字方塊 5"/>
+          <p:cNvSpPr txBox="1"/>
+          <p:nvPr/>
+        </p:nvSpPr>
+        <p:spPr>
+          <a:xfrm>
+            <a:off x="133777" y="3292863"/>
+            <a:ext cx="2680286" cy="369332"/>
+          </a:xfrm>
+          <a:prstGeom prst="rect">
+            <a:avLst/>
+          </a:prstGeom>
+          <a:noFill/>
+        </p:spPr>
+        <p:txBody>
+          <a:bodyPr wrap="none" rtlCol="0">
+            <a:spAutoFit/>
+          </a:bodyPr>
+          <a:lstStyle/>
+          <a:p>
+            <a:r>
+              <a:rPr lang="zh-TW" altLang="en-US" dirty="0" smtClean="0"/>
+              <a:t>這是原</a:t>
+            </a:r>
+            <a:r>
+              <a:rPr lang="en-US" altLang="zh-TW" dirty="0" smtClean="0"/>
+              <a:t>LOGO</a:t>
+            </a:r>
+            <a:r>
+              <a:rPr lang="zh-TW" altLang="en-US" dirty="0" smtClean="0"/>
+              <a:t>  用水滴代替</a:t>
+            </a:r>
+            <a:endParaRPr lang="zh-TW" altLang="en-US" dirty="0"/>
+          </a:p>
+        </p:txBody>
+      </p:sp>
       <p:pic>
         <p:nvPicPr>
-          <p:cNvPr id="4" name="圖片 3"/>
+          <p:cNvPr id="7" name="圖片 6"/>
           <p:cNvPicPr>
             <a:picLocks noChangeAspect="1"/>
           </p:cNvPicPr>
@@ -3420,55 +3458,17 @@
         </p:blipFill>
         <p:spPr>
           <a:xfrm>
-            <a:off x="8776616" y="525842"/>
-            <a:ext cx="3273283" cy="6332158"/>
+            <a:off x="800175" y="1567234"/>
+            <a:ext cx="1200000" cy="1628571"/>
           </a:xfrm>
           <a:prstGeom prst="rect">
             <a:avLst/>
           </a:prstGeom>
         </p:spPr>
       </p:pic>
-      <p:sp>
-        <p:nvSpPr>
-          <p:cNvPr id="6" name="文字方塊 5"/>
-          <p:cNvSpPr txBox="1"/>
-          <p:nvPr/>
-        </p:nvSpPr>
-        <p:spPr>
-          <a:xfrm>
-            <a:off x="133777" y="3292863"/>
-            <a:ext cx="2680286" cy="369332"/>
-          </a:xfrm>
-          <a:prstGeom prst="rect">
-            <a:avLst/>
-          </a:prstGeom>
-          <a:noFill/>
-        </p:spPr>
-        <p:txBody>
-          <a:bodyPr wrap="none" rtlCol="0">
-            <a:spAutoFit/>
-          </a:bodyPr>
-          <a:lstStyle/>
-          <a:p>
-            <a:r>
-              <a:rPr lang="zh-TW" altLang="en-US" dirty="0" smtClean="0"/>
-              <a:t>這是原</a:t>
-            </a:r>
-            <a:r>
-              <a:rPr lang="en-US" altLang="zh-TW" dirty="0" smtClean="0"/>
-              <a:t>LOGO</a:t>
-            </a:r>
-            <a:r>
-              <a:rPr lang="zh-TW" altLang="en-US" dirty="0" smtClean="0"/>
-              <a:t>  用水滴代替</a:t>
-            </a:r>
-            <a:endParaRPr lang="zh-TW" altLang="en-US" dirty="0"/>
-          </a:p>
-        </p:txBody>
-      </p:sp>
       <p:pic>
         <p:nvPicPr>
-          <p:cNvPr id="7" name="圖片 6"/>
+          <p:cNvPr id="8" name="圖片 7"/>
           <p:cNvPicPr>
             <a:picLocks noChangeAspect="1"/>
           </p:cNvPicPr>
@@ -3482,8 +3482,8 @@
         </p:blipFill>
         <p:spPr>
           <a:xfrm>
-            <a:off x="800175" y="1567234"/>
-            <a:ext cx="1200000" cy="1628571"/>
+            <a:off x="415946" y="3662195"/>
+            <a:ext cx="2335792" cy="1428587"/>
           </a:xfrm>
           <a:prstGeom prst="rect">
             <a:avLst/>
@@ -3492,7 +3492,7 @@
       </p:pic>
       <p:pic>
         <p:nvPicPr>
-          <p:cNvPr id="8" name="圖片 7"/>
+          <p:cNvPr id="5" name="圖片 4"/>
           <p:cNvPicPr>
             <a:picLocks noChangeAspect="1"/>
           </p:cNvPicPr>
@@ -3506,8 +3506,8 @@
         </p:blipFill>
         <p:spPr>
           <a:xfrm>
-            <a:off x="415946" y="3662195"/>
-            <a:ext cx="2335792" cy="1428587"/>
+            <a:off x="9120278" y="450399"/>
+            <a:ext cx="2929386" cy="6407601"/>
           </a:xfrm>
           <a:prstGeom prst="rect">
             <a:avLst/>
@@ -3546,7 +3546,7 @@
       </p:grpSpPr>
       <p:pic>
         <p:nvPicPr>
-          <p:cNvPr id="2" name="圖片 1"/>
+          <p:cNvPr id="3" name="圖片 2"/>
           <p:cNvPicPr>
             <a:picLocks noChangeAspect="1"/>
           </p:cNvPicPr>
@@ -3560,8 +3560,8 @@
         </p:blipFill>
         <p:spPr>
           <a:xfrm>
-            <a:off x="570738" y="-1"/>
-            <a:ext cx="11621263" cy="6858001"/>
+            <a:off x="1433970" y="24714"/>
+            <a:ext cx="10758030" cy="6809074"/>
           </a:xfrm>
           <a:prstGeom prst="rect">
             <a:avLst/>
@@ -3592,26 +3592,14 @@
           <a:p>
             <a:r>
               <a:rPr lang="zh-TW" altLang="en-US" dirty="0" smtClean="0"/>
-              <a:t>個人配對</a:t>
-            </a:r>
+              <a:t>個人配對說明</a:t>
+            </a:r>
+            <a:endParaRPr lang="en-US" altLang="zh-TW" dirty="0" smtClean="0"/>
+          </a:p>
+          <a:p>
             <a:r>
               <a:rPr lang="zh-TW" altLang="en-US" dirty="0" smtClean="0"/>
-              <a:t>說明</a:t>
-            </a:r>
-            <a:endParaRPr lang="en-US" altLang="zh-TW" dirty="0" smtClean="0"/>
-          </a:p>
-          <a:p>
-            <a:r>
-              <a:rPr lang="zh-TW" altLang="en-US" dirty="0" smtClean="0"/>
-              <a:t>點擊照片</a:t>
-            </a:r>
-            <a:r>
-              <a:rPr lang="zh-TW" altLang="en-US" dirty="0" smtClean="0"/>
-              <a:t>進入對象資訊</a:t>
-            </a:r>
-            <a:r>
-              <a:rPr lang="zh-TW" altLang="en-US" dirty="0" smtClean="0"/>
-              <a:t>頁</a:t>
+              <a:t>點擊照片進入對象資訊頁</a:t>
             </a:r>
             <a:endParaRPr lang="en-US" altLang="zh-TW" dirty="0" smtClean="0"/>
           </a:p>
@@ -3758,7 +3746,7 @@
       </p:sp>
       <p:pic>
         <p:nvPicPr>
-          <p:cNvPr id="3" name="圖片 2"/>
+          <p:cNvPr id="2" name="圖片 1"/>
           <p:cNvPicPr>
             <a:picLocks noChangeAspect="1"/>
           </p:cNvPicPr>
@@ -3772,8 +3760,8 @@
         </p:blipFill>
         <p:spPr>
           <a:xfrm>
-            <a:off x="7569317" y="79152"/>
-            <a:ext cx="4557582" cy="4855314"/>
+            <a:off x="5467975" y="238524"/>
+            <a:ext cx="5885714" cy="6380952"/>
           </a:xfrm>
           <a:prstGeom prst="rect">
             <a:avLst/>
@@ -3782,7 +3770,7 @@
       </p:pic>
       <p:pic>
         <p:nvPicPr>
-          <p:cNvPr id="4" name="圖片 3"/>
+          <p:cNvPr id="6" name="圖片 5"/>
           <p:cNvPicPr>
             <a:picLocks noChangeAspect="1"/>
           </p:cNvPicPr>
@@ -3796,8 +3784,8 @@
         </p:blipFill>
         <p:spPr>
           <a:xfrm>
-            <a:off x="4643674" y="79152"/>
-            <a:ext cx="3073924" cy="5983175"/>
+            <a:off x="3775157" y="3286897"/>
+            <a:ext cx="1425547" cy="2950998"/>
           </a:xfrm>
           <a:prstGeom prst="rect">
             <a:avLst/>
@@ -4058,11 +4046,7 @@
           <a:p>
             <a:r>
               <a:rPr lang="zh-TW" altLang="en-US" dirty="0" smtClean="0"/>
-              <a:t>點擊訊息會進入對話頁</a:t>
-            </a:r>
-            <a:r>
-              <a:rPr lang="zh-TW" altLang="en-US" dirty="0" smtClean="0"/>
-              <a:t>面</a:t>
+              <a:t>點擊訊息會進入對話頁面</a:t>
             </a:r>
             <a:endParaRPr lang="en-US" altLang="zh-TW" dirty="0" smtClean="0"/>
           </a:p>
